--- a/design/dataflow structure.pptx
+++ b/design/dataflow structure.pptx
@@ -6,6 +6,8 @@
   </p:sldMasterIdLst>
   <p:sldIdLst>
     <p:sldId id="256" r:id="rId2"/>
+    <p:sldId id="257" r:id="rId3"/>
+    <p:sldId id="258" r:id="rId4"/>
   </p:sldIdLst>
   <p:sldSz cx="12192000" cy="6858000"/>
   <p:notesSz cx="6858000" cy="9144000"/>
@@ -104,6 +106,11 @@
       </a:defRPr>
     </a:lvl9pPr>
   </p:defaultTextStyle>
+  <p:extLst>
+    <p:ext uri="{EFAFB233-063F-42B5-8137-9DF3F51BA10A}">
+      <p15:sldGuideLst xmlns:p15="http://schemas.microsoft.com/office/powerpoint/2012/main"/>
+    </p:ext>
+  </p:extLst>
 </p:presentation>
 </file>
 
@@ -256,7 +263,7 @@
           <a:p>
             <a:fld id="{0F3F7982-7C32-4D59-952E-4DF21550F1A0}" type="datetimeFigureOut">
               <a:rPr lang="en-IN" smtClean="0"/>
-              <a:t>16-06-2023</a:t>
+              <a:t>17-06-2023</a:t>
             </a:fld>
             <a:endParaRPr lang="en-IN"/>
           </a:p>
@@ -456,7 +463,7 @@
           <a:p>
             <a:fld id="{0F3F7982-7C32-4D59-952E-4DF21550F1A0}" type="datetimeFigureOut">
               <a:rPr lang="en-IN" smtClean="0"/>
-              <a:t>16-06-2023</a:t>
+              <a:t>17-06-2023</a:t>
             </a:fld>
             <a:endParaRPr lang="en-IN"/>
           </a:p>
@@ -666,7 +673,7 @@
           <a:p>
             <a:fld id="{0F3F7982-7C32-4D59-952E-4DF21550F1A0}" type="datetimeFigureOut">
               <a:rPr lang="en-IN" smtClean="0"/>
-              <a:t>16-06-2023</a:t>
+              <a:t>17-06-2023</a:t>
             </a:fld>
             <a:endParaRPr lang="en-IN"/>
           </a:p>
@@ -866,7 +873,7 @@
           <a:p>
             <a:fld id="{0F3F7982-7C32-4D59-952E-4DF21550F1A0}" type="datetimeFigureOut">
               <a:rPr lang="en-IN" smtClean="0"/>
-              <a:t>16-06-2023</a:t>
+              <a:t>17-06-2023</a:t>
             </a:fld>
             <a:endParaRPr lang="en-IN"/>
           </a:p>
@@ -1142,7 +1149,7 @@
           <a:p>
             <a:fld id="{0F3F7982-7C32-4D59-952E-4DF21550F1A0}" type="datetimeFigureOut">
               <a:rPr lang="en-IN" smtClean="0"/>
-              <a:t>16-06-2023</a:t>
+              <a:t>17-06-2023</a:t>
             </a:fld>
             <a:endParaRPr lang="en-IN"/>
           </a:p>
@@ -1410,7 +1417,7 @@
           <a:p>
             <a:fld id="{0F3F7982-7C32-4D59-952E-4DF21550F1A0}" type="datetimeFigureOut">
               <a:rPr lang="en-IN" smtClean="0"/>
-              <a:t>16-06-2023</a:t>
+              <a:t>17-06-2023</a:t>
             </a:fld>
             <a:endParaRPr lang="en-IN"/>
           </a:p>
@@ -1825,7 +1832,7 @@
           <a:p>
             <a:fld id="{0F3F7982-7C32-4D59-952E-4DF21550F1A0}" type="datetimeFigureOut">
               <a:rPr lang="en-IN" smtClean="0"/>
-              <a:t>16-06-2023</a:t>
+              <a:t>17-06-2023</a:t>
             </a:fld>
             <a:endParaRPr lang="en-IN"/>
           </a:p>
@@ -1967,7 +1974,7 @@
           <a:p>
             <a:fld id="{0F3F7982-7C32-4D59-952E-4DF21550F1A0}" type="datetimeFigureOut">
               <a:rPr lang="en-IN" smtClean="0"/>
-              <a:t>16-06-2023</a:t>
+              <a:t>17-06-2023</a:t>
             </a:fld>
             <a:endParaRPr lang="en-IN"/>
           </a:p>
@@ -2080,7 +2087,7 @@
           <a:p>
             <a:fld id="{0F3F7982-7C32-4D59-952E-4DF21550F1A0}" type="datetimeFigureOut">
               <a:rPr lang="en-IN" smtClean="0"/>
-              <a:t>16-06-2023</a:t>
+              <a:t>17-06-2023</a:t>
             </a:fld>
             <a:endParaRPr lang="en-IN"/>
           </a:p>
@@ -2393,7 +2400,7 @@
           <a:p>
             <a:fld id="{0F3F7982-7C32-4D59-952E-4DF21550F1A0}" type="datetimeFigureOut">
               <a:rPr lang="en-IN" smtClean="0"/>
-              <a:t>16-06-2023</a:t>
+              <a:t>17-06-2023</a:t>
             </a:fld>
             <a:endParaRPr lang="en-IN"/>
           </a:p>
@@ -2682,7 +2689,7 @@
           <a:p>
             <a:fld id="{0F3F7982-7C32-4D59-952E-4DF21550F1A0}" type="datetimeFigureOut">
               <a:rPr lang="en-IN" smtClean="0"/>
-              <a:t>16-06-2023</a:t>
+              <a:t>17-06-2023</a:t>
             </a:fld>
             <a:endParaRPr lang="en-IN"/>
           </a:p>
@@ -2925,7 +2932,7 @@
           <a:p>
             <a:fld id="{0F3F7982-7C32-4D59-952E-4DF21550F1A0}" type="datetimeFigureOut">
               <a:rPr lang="en-IN" smtClean="0"/>
-              <a:t>16-06-2023</a:t>
+              <a:t>17-06-2023</a:t>
             </a:fld>
             <a:endParaRPr lang="en-IN"/>
           </a:p>
@@ -3975,7 +3982,7 @@
         </p:nvSpPr>
         <p:spPr>
           <a:xfrm>
-            <a:off x="7230963" y="3335142"/>
+            <a:off x="7928080" y="3377088"/>
             <a:ext cx="1769957" cy="384773"/>
           </a:xfrm>
           <a:prstGeom prst="roundRect">
@@ -4035,7 +4042,7 @@
         </p:nvSpPr>
         <p:spPr>
           <a:xfrm>
-            <a:off x="4723738" y="4521715"/>
+            <a:off x="4723742" y="3710088"/>
             <a:ext cx="1769957" cy="384773"/>
           </a:xfrm>
           <a:prstGeom prst="roundRect">
@@ -4095,7 +4102,7 @@
         </p:nvSpPr>
         <p:spPr>
           <a:xfrm>
-            <a:off x="2141537" y="3335143"/>
+            <a:off x="1519403" y="3272796"/>
             <a:ext cx="1769957" cy="384773"/>
           </a:xfrm>
           <a:prstGeom prst="roundRect">
@@ -4133,7 +4140,7 @@
               <a:rPr lang="en-US" sz="1400" dirty="0">
                 <a:latin typeface="Candara Light" panose="020E0502030303020204" pitchFamily="34" charset="0"/>
               </a:rPr>
-              <a:t>STUDENT TT</a:t>
+              <a:t>CLASS TT</a:t>
             </a:r>
             <a:endParaRPr lang="en-IN" sz="1400" dirty="0">
               <a:latin typeface="Candara Light" panose="020E0502030303020204" pitchFamily="34" charset="0"/>
@@ -4159,8 +4166,8 @@
         </p:nvCxnSpPr>
         <p:spPr>
           <a:xfrm rot="16200000" flipH="1">
-            <a:off x="7402802" y="2622002"/>
-            <a:ext cx="1426278" cy="1"/>
+            <a:off x="7730388" y="2294417"/>
+            <a:ext cx="1468224" cy="697118"/>
           </a:xfrm>
           <a:prstGeom prst="bentConnector3">
             <a:avLst>
@@ -4203,9 +4210,9 @@
           <p:nvPr/>
         </p:nvCxnSpPr>
         <p:spPr>
-          <a:xfrm rot="16200000" flipH="1">
-            <a:off x="2313376" y="2622003"/>
-            <a:ext cx="1426278" cy="1"/>
+          <a:xfrm rot="5400000">
+            <a:off x="2033484" y="2279764"/>
+            <a:ext cx="1363931" cy="622133"/>
           </a:xfrm>
           <a:prstGeom prst="bentConnector3">
             <a:avLst>
@@ -4249,8 +4256,8 @@
         </p:nvCxnSpPr>
         <p:spPr>
           <a:xfrm rot="10800000" flipV="1">
-            <a:off x="6493695" y="3527528"/>
-            <a:ext cx="737268" cy="1186573"/>
+            <a:off x="6493700" y="3569475"/>
+            <a:ext cx="1434381" cy="333000"/>
           </a:xfrm>
           <a:prstGeom prst="bentConnector3">
             <a:avLst>
@@ -4294,53 +4301,8 @@
         </p:nvCxnSpPr>
         <p:spPr>
           <a:xfrm>
-            <a:off x="3911494" y="3527530"/>
-            <a:ext cx="812244" cy="1186572"/>
-          </a:xfrm>
-          <a:prstGeom prst="bentConnector3">
-            <a:avLst>
-              <a:gd name="adj1" fmla="val 48885"/>
-            </a:avLst>
-          </a:prstGeom>
-          <a:ln>
-            <a:tailEnd type="triangle"/>
-          </a:ln>
-        </p:spPr>
-        <p:style>
-          <a:lnRef idx="1">
-            <a:schemeClr val="accent1"/>
-          </a:lnRef>
-          <a:fillRef idx="0">
-            <a:schemeClr val="accent1"/>
-          </a:fillRef>
-          <a:effectRef idx="0">
-            <a:schemeClr val="accent1"/>
-          </a:effectRef>
-          <a:fontRef idx="minor">
-            <a:schemeClr val="tx1"/>
-          </a:fontRef>
-        </p:style>
-      </p:cxnSp>
-      <p:cxnSp>
-        <p:nvCxnSpPr>
-          <p:cNvPr id="94" name="Connector: Elbow 93">
-            <a:extLst>
-              <a:ext uri="{FF2B5EF4-FFF2-40B4-BE49-F238E27FC236}">
-                <a16:creationId xmlns:a16="http://schemas.microsoft.com/office/drawing/2014/main" id="{3D1C4D5C-62A5-F296-984B-D459001C0938}"/>
-              </a:ext>
-            </a:extLst>
-          </p:cNvPr>
-          <p:cNvCxnSpPr>
-            <a:cxnSpLocks/>
-            <a:stCxn id="78" idx="1"/>
-            <a:endCxn id="11" idx="3"/>
-          </p:cNvCxnSpPr>
-          <p:nvPr/>
-        </p:nvCxnSpPr>
-        <p:spPr>
-          <a:xfrm rot="10800000">
-            <a:off x="6493699" y="2976117"/>
-            <a:ext cx="737264" cy="551412"/>
+            <a:off x="3289360" y="3465183"/>
+            <a:ext cx="1434382" cy="437292"/>
           </a:xfrm>
           <a:prstGeom prst="bentConnector3">
             <a:avLst>
@@ -4368,6 +4330,51 @@
       </p:cxnSp>
       <p:cxnSp>
         <p:nvCxnSpPr>
+          <p:cNvPr id="94" name="Connector: Elbow 93">
+            <a:extLst>
+              <a:ext uri="{FF2B5EF4-FFF2-40B4-BE49-F238E27FC236}">
+                <a16:creationId xmlns:a16="http://schemas.microsoft.com/office/drawing/2014/main" id="{3D1C4D5C-62A5-F296-984B-D459001C0938}"/>
+              </a:ext>
+            </a:extLst>
+          </p:cNvPr>
+          <p:cNvCxnSpPr>
+            <a:cxnSpLocks/>
+            <a:stCxn id="78" idx="1"/>
+            <a:endCxn id="11" idx="3"/>
+          </p:cNvCxnSpPr>
+          <p:nvPr/>
+        </p:nvCxnSpPr>
+        <p:spPr>
+          <a:xfrm rot="10800000">
+            <a:off x="6493700" y="2976117"/>
+            <a:ext cx="1434381" cy="593358"/>
+          </a:xfrm>
+          <a:prstGeom prst="bentConnector3">
+            <a:avLst>
+              <a:gd name="adj1" fmla="val 50000"/>
+            </a:avLst>
+          </a:prstGeom>
+          <a:ln>
+            <a:tailEnd type="triangle"/>
+          </a:ln>
+        </p:spPr>
+        <p:style>
+          <a:lnRef idx="1">
+            <a:schemeClr val="accent1"/>
+          </a:lnRef>
+          <a:fillRef idx="0">
+            <a:schemeClr val="accent1"/>
+          </a:fillRef>
+          <a:effectRef idx="0">
+            <a:schemeClr val="accent1"/>
+          </a:effectRef>
+          <a:fontRef idx="minor">
+            <a:schemeClr val="tx1"/>
+          </a:fontRef>
+        </p:style>
+      </p:cxnSp>
+      <p:cxnSp>
+        <p:nvCxnSpPr>
           <p:cNvPr id="172" name="Connector: Elbow 171">
             <a:extLst>
               <a:ext uri="{FF2B5EF4-FFF2-40B4-BE49-F238E27FC236}">
@@ -4384,12 +4391,12 @@
         </p:nvCxnSpPr>
         <p:spPr>
           <a:xfrm flipV="1">
-            <a:off x="3911494" y="2258063"/>
-            <a:ext cx="1036322" cy="1269467"/>
+            <a:off x="3289360" y="2258063"/>
+            <a:ext cx="1658456" cy="1207120"/>
           </a:xfrm>
           <a:prstGeom prst="bentConnector3">
             <a:avLst>
-              <a:gd name="adj1" fmla="val 38643"/>
+              <a:gd name="adj1" fmla="val 50000"/>
             </a:avLst>
           </a:prstGeom>
           <a:ln>
@@ -4457,6 +4464,1675 @@
     <p:extLst>
       <p:ext uri="{BB962C8B-B14F-4D97-AF65-F5344CB8AC3E}">
         <p14:creationId xmlns:p14="http://schemas.microsoft.com/office/powerpoint/2010/main" val="1655392676"/>
+      </p:ext>
+    </p:extLst>
+  </p:cSld>
+  <p:clrMapOvr>
+    <a:masterClrMapping/>
+  </p:clrMapOvr>
+</p:sld>
+</file>
+
+<file path=ppt/slides/slide2.xml><?xml version="1.0" encoding="utf-8"?>
+<p:sld xmlns:a="http://schemas.openxmlformats.org/drawingml/2006/main" xmlns:r="http://schemas.openxmlformats.org/officeDocument/2006/relationships" xmlns:p="http://schemas.openxmlformats.org/presentationml/2006/main">
+  <p:cSld>
+    <p:spTree>
+      <p:nvGrpSpPr>
+        <p:cNvPr id="1" name=""/>
+        <p:cNvGrpSpPr/>
+        <p:nvPr/>
+      </p:nvGrpSpPr>
+      <p:grpSpPr>
+        <a:xfrm>
+          <a:off x="0" y="0"/>
+          <a:ext cx="0" cy="0"/>
+          <a:chOff x="0" y="0"/>
+          <a:chExt cx="0" cy="0"/>
+        </a:xfrm>
+      </p:grpSpPr>
+      <p:graphicFrame>
+        <p:nvGraphicFramePr>
+          <p:cNvPr id="3" name="Table 3">
+            <a:extLst>
+              <a:ext uri="{FF2B5EF4-FFF2-40B4-BE49-F238E27FC236}">
+                <a16:creationId xmlns:a16="http://schemas.microsoft.com/office/drawing/2014/main" id="{201EA7A6-F6C5-4FC9-F589-C0AB0E04DCA7}"/>
+              </a:ext>
+            </a:extLst>
+          </p:cNvPr>
+          <p:cNvGraphicFramePr>
+            <a:graphicFrameLocks noGrp="1"/>
+          </p:cNvGraphicFramePr>
+          <p:nvPr>
+            <p:extLst>
+              <p:ext uri="{D42A27DB-BD31-4B8C-83A1-F6EECF244321}">
+                <p14:modId xmlns:p14="http://schemas.microsoft.com/office/powerpoint/2010/main" val="2599233514"/>
+              </p:ext>
+            </p:extLst>
+          </p:nvPr>
+        </p:nvGraphicFramePr>
+        <p:xfrm>
+          <a:off x="2562131" y="3503154"/>
+          <a:ext cx="4362703" cy="317492"/>
+        </p:xfrm>
+        <a:graphic>
+          <a:graphicData uri="http://schemas.openxmlformats.org/drawingml/2006/table">
+            <a:tbl>
+              <a:tblPr firstRow="1" bandRow="1">
+                <a:tableStyleId>{7DF18680-E054-41AD-8BC1-D1AEF772440D}</a:tableStyleId>
+              </a:tblPr>
+              <a:tblGrid>
+                <a:gridCol w="470780">
+                  <a:extLst>
+                    <a:ext uri="{9D8B030D-6E8A-4147-A177-3AD203B41FA5}">
+                      <a16:colId xmlns:a16="http://schemas.microsoft.com/office/drawing/2014/main" val="2448002951"/>
+                    </a:ext>
+                  </a:extLst>
+                </a:gridCol>
+                <a:gridCol w="1870047">
+                  <a:extLst>
+                    <a:ext uri="{9D8B030D-6E8A-4147-A177-3AD203B41FA5}">
+                      <a16:colId xmlns:a16="http://schemas.microsoft.com/office/drawing/2014/main" val="762934821"/>
+                    </a:ext>
+                  </a:extLst>
+                </a:gridCol>
+                <a:gridCol w="1010938">
+                  <a:extLst>
+                    <a:ext uri="{9D8B030D-6E8A-4147-A177-3AD203B41FA5}">
+                      <a16:colId xmlns:a16="http://schemas.microsoft.com/office/drawing/2014/main" val="1143871748"/>
+                    </a:ext>
+                  </a:extLst>
+                </a:gridCol>
+                <a:gridCol w="1010938">
+                  <a:extLst>
+                    <a:ext uri="{9D8B030D-6E8A-4147-A177-3AD203B41FA5}">
+                      <a16:colId xmlns:a16="http://schemas.microsoft.com/office/drawing/2014/main" val="2555891688"/>
+                    </a:ext>
+                  </a:extLst>
+                </a:gridCol>
+              </a:tblGrid>
+              <a:tr h="317492">
+                <a:tc>
+                  <a:txBody>
+                    <a:bodyPr/>
+                    <a:lstStyle/>
+                    <a:p>
+                      <a:r>
+                        <a:rPr lang="en-US" sz="1200" dirty="0">
+                          <a:solidFill>
+                            <a:schemeClr val="tx1">
+                              <a:lumMod val="65000"/>
+                              <a:lumOff val="35000"/>
+                            </a:schemeClr>
+                          </a:solidFill>
+                          <a:latin typeface="Candara Light" panose="020E0502030303020204" pitchFamily="34" charset="0"/>
+                        </a:rPr>
+                        <a:t>_ID</a:t>
+                      </a:r>
+                      <a:endParaRPr lang="en-IN" sz="1200" dirty="0">
+                        <a:solidFill>
+                          <a:schemeClr val="tx1">
+                            <a:lumMod val="65000"/>
+                            <a:lumOff val="35000"/>
+                          </a:schemeClr>
+                        </a:solidFill>
+                        <a:latin typeface="Candara Light" panose="020E0502030303020204" pitchFamily="34" charset="0"/>
+                      </a:endParaRPr>
+                    </a:p>
+                  </a:txBody>
+                  <a:tcPr marL="78286" marR="78286" marT="39143" marB="39143">
+                    <a:lnL w="12700" cap="flat" cmpd="sng" algn="ctr">
+                      <a:solidFill>
+                        <a:schemeClr val="accent1">
+                          <a:lumMod val="75000"/>
+                        </a:schemeClr>
+                      </a:solidFill>
+                      <a:prstDash val="solid"/>
+                      <a:round/>
+                      <a:headEnd type="none" w="med" len="med"/>
+                      <a:tailEnd type="none" w="med" len="med"/>
+                    </a:lnL>
+                    <a:lnR w="12700" cap="flat" cmpd="sng" algn="ctr">
+                      <a:solidFill>
+                        <a:schemeClr val="accent1">
+                          <a:lumMod val="75000"/>
+                        </a:schemeClr>
+                      </a:solidFill>
+                      <a:prstDash val="solid"/>
+                      <a:round/>
+                      <a:headEnd type="none" w="med" len="med"/>
+                      <a:tailEnd type="none" w="med" len="med"/>
+                    </a:lnR>
+                    <a:lnT w="12700" cap="flat" cmpd="sng" algn="ctr">
+                      <a:solidFill>
+                        <a:schemeClr val="accent1">
+                          <a:lumMod val="75000"/>
+                        </a:schemeClr>
+                      </a:solidFill>
+                      <a:prstDash val="solid"/>
+                      <a:round/>
+                      <a:headEnd type="none" w="med" len="med"/>
+                      <a:tailEnd type="none" w="med" len="med"/>
+                    </a:lnT>
+                    <a:lnB w="12700" cap="flat" cmpd="sng" algn="ctr">
+                      <a:solidFill>
+                        <a:schemeClr val="accent1">
+                          <a:lumMod val="75000"/>
+                        </a:schemeClr>
+                      </a:solidFill>
+                      <a:prstDash val="solid"/>
+                      <a:round/>
+                      <a:headEnd type="none" w="med" len="med"/>
+                      <a:tailEnd type="none" w="med" len="med"/>
+                    </a:lnB>
+                    <a:lnTlToBr w="12700" cmpd="sng">
+                      <a:noFill/>
+                      <a:prstDash val="solid"/>
+                    </a:lnTlToBr>
+                    <a:lnBlToTr w="12700" cmpd="sng">
+                      <a:noFill/>
+                      <a:prstDash val="solid"/>
+                    </a:lnBlToTr>
+                    <a:solidFill>
+                      <a:schemeClr val="bg1">
+                        <a:lumMod val="95000"/>
+                      </a:schemeClr>
+                    </a:solidFill>
+                  </a:tcPr>
+                </a:tc>
+                <a:tc>
+                  <a:txBody>
+                    <a:bodyPr/>
+                    <a:lstStyle/>
+                    <a:p>
+                      <a:r>
+                        <a:rPr lang="en-US" sz="1200" dirty="0">
+                          <a:solidFill>
+                            <a:schemeClr val="tx1">
+                              <a:lumMod val="65000"/>
+                              <a:lumOff val="35000"/>
+                            </a:schemeClr>
+                          </a:solidFill>
+                          <a:latin typeface="Candara Light" panose="020E0502030303020204" pitchFamily="34" charset="0"/>
+                        </a:rPr>
+                        <a:t>ATTENDANCE_RECORD</a:t>
+                      </a:r>
+                      <a:endParaRPr lang="en-IN" sz="1200" dirty="0">
+                        <a:solidFill>
+                          <a:schemeClr val="tx1">
+                            <a:lumMod val="65000"/>
+                            <a:lumOff val="35000"/>
+                          </a:schemeClr>
+                        </a:solidFill>
+                        <a:latin typeface="Candara Light" panose="020E0502030303020204" pitchFamily="34" charset="0"/>
+                      </a:endParaRPr>
+                    </a:p>
+                  </a:txBody>
+                  <a:tcPr marL="78286" marR="78286" marT="39143" marB="39143">
+                    <a:lnL w="12700" cap="flat" cmpd="sng" algn="ctr">
+                      <a:solidFill>
+                        <a:schemeClr val="accent1">
+                          <a:lumMod val="75000"/>
+                        </a:schemeClr>
+                      </a:solidFill>
+                      <a:prstDash val="solid"/>
+                      <a:round/>
+                      <a:headEnd type="none" w="med" len="med"/>
+                      <a:tailEnd type="none" w="med" len="med"/>
+                    </a:lnL>
+                    <a:lnR w="12700" cap="flat" cmpd="sng" algn="ctr">
+                      <a:solidFill>
+                        <a:schemeClr val="accent1">
+                          <a:lumMod val="75000"/>
+                        </a:schemeClr>
+                      </a:solidFill>
+                      <a:prstDash val="solid"/>
+                      <a:round/>
+                      <a:headEnd type="none" w="med" len="med"/>
+                      <a:tailEnd type="none" w="med" len="med"/>
+                    </a:lnR>
+                    <a:lnT w="12700" cap="flat" cmpd="sng" algn="ctr">
+                      <a:solidFill>
+                        <a:schemeClr val="accent1">
+                          <a:lumMod val="75000"/>
+                        </a:schemeClr>
+                      </a:solidFill>
+                      <a:prstDash val="solid"/>
+                      <a:round/>
+                      <a:headEnd type="none" w="med" len="med"/>
+                      <a:tailEnd type="none" w="med" len="med"/>
+                    </a:lnT>
+                    <a:lnB w="12700" cap="flat" cmpd="sng" algn="ctr">
+                      <a:solidFill>
+                        <a:schemeClr val="accent1">
+                          <a:lumMod val="75000"/>
+                        </a:schemeClr>
+                      </a:solidFill>
+                      <a:prstDash val="solid"/>
+                      <a:round/>
+                      <a:headEnd type="none" w="med" len="med"/>
+                      <a:tailEnd type="none" w="med" len="med"/>
+                    </a:lnB>
+                    <a:lnTlToBr w="12700" cmpd="sng">
+                      <a:noFill/>
+                      <a:prstDash val="solid"/>
+                    </a:lnTlToBr>
+                    <a:lnBlToTr w="12700" cmpd="sng">
+                      <a:noFill/>
+                      <a:prstDash val="solid"/>
+                    </a:lnBlToTr>
+                    <a:solidFill>
+                      <a:schemeClr val="bg1">
+                        <a:lumMod val="95000"/>
+                      </a:schemeClr>
+                    </a:solidFill>
+                  </a:tcPr>
+                </a:tc>
+                <a:tc>
+                  <a:txBody>
+                    <a:bodyPr/>
+                    <a:lstStyle/>
+                    <a:p>
+                      <a:r>
+                        <a:rPr lang="en-US" sz="1200" dirty="0">
+                          <a:solidFill>
+                            <a:schemeClr val="tx1">
+                              <a:lumMod val="65000"/>
+                              <a:lumOff val="35000"/>
+                            </a:schemeClr>
+                          </a:solidFill>
+                          <a:latin typeface="Candara Light" panose="020E0502030303020204" pitchFamily="34" charset="0"/>
+                        </a:rPr>
+                        <a:t>STATUS</a:t>
+                      </a:r>
+                      <a:endParaRPr lang="en-IN" sz="1200" dirty="0">
+                        <a:solidFill>
+                          <a:schemeClr val="tx1">
+                            <a:lumMod val="65000"/>
+                            <a:lumOff val="35000"/>
+                          </a:schemeClr>
+                        </a:solidFill>
+                        <a:latin typeface="Candara Light" panose="020E0502030303020204" pitchFamily="34" charset="0"/>
+                      </a:endParaRPr>
+                    </a:p>
+                  </a:txBody>
+                  <a:tcPr marL="78286" marR="78286" marT="39143" marB="39143">
+                    <a:lnL w="12700" cap="flat" cmpd="sng" algn="ctr">
+                      <a:solidFill>
+                        <a:schemeClr val="accent1">
+                          <a:lumMod val="75000"/>
+                        </a:schemeClr>
+                      </a:solidFill>
+                      <a:prstDash val="solid"/>
+                      <a:round/>
+                      <a:headEnd type="none" w="med" len="med"/>
+                      <a:tailEnd type="none" w="med" len="med"/>
+                    </a:lnL>
+                    <a:lnR w="12700" cap="flat" cmpd="sng" algn="ctr">
+                      <a:solidFill>
+                        <a:schemeClr val="accent1">
+                          <a:lumMod val="75000"/>
+                        </a:schemeClr>
+                      </a:solidFill>
+                      <a:prstDash val="solid"/>
+                      <a:round/>
+                      <a:headEnd type="none" w="med" len="med"/>
+                      <a:tailEnd type="none" w="med" len="med"/>
+                    </a:lnR>
+                    <a:lnT w="12700" cap="flat" cmpd="sng" algn="ctr">
+                      <a:solidFill>
+                        <a:schemeClr val="accent1">
+                          <a:lumMod val="75000"/>
+                        </a:schemeClr>
+                      </a:solidFill>
+                      <a:prstDash val="solid"/>
+                      <a:round/>
+                      <a:headEnd type="none" w="med" len="med"/>
+                      <a:tailEnd type="none" w="med" len="med"/>
+                    </a:lnT>
+                    <a:lnB w="12700" cap="flat" cmpd="sng" algn="ctr">
+                      <a:solidFill>
+                        <a:schemeClr val="accent1">
+                          <a:lumMod val="75000"/>
+                        </a:schemeClr>
+                      </a:solidFill>
+                      <a:prstDash val="solid"/>
+                      <a:round/>
+                      <a:headEnd type="none" w="med" len="med"/>
+                      <a:tailEnd type="none" w="med" len="med"/>
+                    </a:lnB>
+                    <a:lnTlToBr w="12700" cmpd="sng">
+                      <a:noFill/>
+                      <a:prstDash val="solid"/>
+                    </a:lnTlToBr>
+                    <a:lnBlToTr w="12700" cmpd="sng">
+                      <a:noFill/>
+                      <a:prstDash val="solid"/>
+                    </a:lnBlToTr>
+                    <a:solidFill>
+                      <a:schemeClr val="bg1">
+                        <a:lumMod val="95000"/>
+                      </a:schemeClr>
+                    </a:solidFill>
+                  </a:tcPr>
+                </a:tc>
+                <a:tc>
+                  <a:txBody>
+                    <a:bodyPr/>
+                    <a:lstStyle/>
+                    <a:p>
+                      <a:r>
+                        <a:rPr lang="en-US" sz="1200" dirty="0">
+                          <a:solidFill>
+                            <a:schemeClr val="tx1">
+                              <a:lumMod val="65000"/>
+                              <a:lumOff val="35000"/>
+                            </a:schemeClr>
+                          </a:solidFill>
+                          <a:latin typeface="Candara Light" panose="020E0502030303020204" pitchFamily="34" charset="0"/>
+                        </a:rPr>
+                        <a:t>TIMESTAMPS</a:t>
+                      </a:r>
+                      <a:endParaRPr lang="en-IN" sz="1200" dirty="0">
+                        <a:solidFill>
+                          <a:schemeClr val="tx1">
+                            <a:lumMod val="65000"/>
+                            <a:lumOff val="35000"/>
+                          </a:schemeClr>
+                        </a:solidFill>
+                        <a:latin typeface="Candara Light" panose="020E0502030303020204" pitchFamily="34" charset="0"/>
+                      </a:endParaRPr>
+                    </a:p>
+                  </a:txBody>
+                  <a:tcPr marL="78286" marR="78286" marT="39143" marB="39143">
+                    <a:lnL w="12700" cap="flat" cmpd="sng" algn="ctr">
+                      <a:solidFill>
+                        <a:schemeClr val="accent1">
+                          <a:lumMod val="75000"/>
+                        </a:schemeClr>
+                      </a:solidFill>
+                      <a:prstDash val="solid"/>
+                      <a:round/>
+                      <a:headEnd type="none" w="med" len="med"/>
+                      <a:tailEnd type="none" w="med" len="med"/>
+                    </a:lnL>
+                    <a:lnR w="12700" cap="flat" cmpd="sng" algn="ctr">
+                      <a:solidFill>
+                        <a:schemeClr val="accent1">
+                          <a:lumMod val="75000"/>
+                        </a:schemeClr>
+                      </a:solidFill>
+                      <a:prstDash val="solid"/>
+                      <a:round/>
+                      <a:headEnd type="none" w="med" len="med"/>
+                      <a:tailEnd type="none" w="med" len="med"/>
+                    </a:lnR>
+                    <a:lnT w="12700" cap="flat" cmpd="sng" algn="ctr">
+                      <a:solidFill>
+                        <a:schemeClr val="accent1">
+                          <a:lumMod val="75000"/>
+                        </a:schemeClr>
+                      </a:solidFill>
+                      <a:prstDash val="solid"/>
+                      <a:round/>
+                      <a:headEnd type="none" w="med" len="med"/>
+                      <a:tailEnd type="none" w="med" len="med"/>
+                    </a:lnT>
+                    <a:lnB w="12700" cap="flat" cmpd="sng" algn="ctr">
+                      <a:solidFill>
+                        <a:schemeClr val="accent1">
+                          <a:lumMod val="75000"/>
+                        </a:schemeClr>
+                      </a:solidFill>
+                      <a:prstDash val="solid"/>
+                      <a:round/>
+                      <a:headEnd type="none" w="med" len="med"/>
+                      <a:tailEnd type="none" w="med" len="med"/>
+                    </a:lnB>
+                    <a:lnTlToBr w="12700" cmpd="sng">
+                      <a:noFill/>
+                      <a:prstDash val="solid"/>
+                    </a:lnTlToBr>
+                    <a:lnBlToTr w="12700" cmpd="sng">
+                      <a:noFill/>
+                      <a:prstDash val="solid"/>
+                    </a:lnBlToTr>
+                    <a:solidFill>
+                      <a:schemeClr val="bg1">
+                        <a:lumMod val="95000"/>
+                      </a:schemeClr>
+                    </a:solidFill>
+                  </a:tcPr>
+                </a:tc>
+                <a:extLst>
+                  <a:ext uri="{0D108BD9-81ED-4DB2-BD59-A6C34878D82A}">
+                    <a16:rowId xmlns:a16="http://schemas.microsoft.com/office/drawing/2014/main" val="1338923890"/>
+                  </a:ext>
+                </a:extLst>
+              </a:tr>
+            </a:tbl>
+          </a:graphicData>
+        </a:graphic>
+      </p:graphicFrame>
+      <p:graphicFrame>
+        <p:nvGraphicFramePr>
+          <p:cNvPr id="2" name="Table 3">
+            <a:extLst>
+              <a:ext uri="{FF2B5EF4-FFF2-40B4-BE49-F238E27FC236}">
+                <a16:creationId xmlns:a16="http://schemas.microsoft.com/office/drawing/2014/main" id="{3074794C-F782-AF5C-3745-43D2C69B1719}"/>
+              </a:ext>
+            </a:extLst>
+          </p:cNvPr>
+          <p:cNvGraphicFramePr>
+            <a:graphicFrameLocks noGrp="1"/>
+          </p:cNvGraphicFramePr>
+          <p:nvPr>
+            <p:extLst>
+              <p:ext uri="{D42A27DB-BD31-4B8C-83A1-F6EECF244321}">
+                <p14:modId xmlns:p14="http://schemas.microsoft.com/office/powerpoint/2010/main" val="52124529"/>
+              </p:ext>
+            </p:extLst>
+          </p:nvPr>
+        </p:nvGraphicFramePr>
+        <p:xfrm>
+          <a:off x="2562131" y="2094284"/>
+          <a:ext cx="7460057" cy="317492"/>
+        </p:xfrm>
+        <a:graphic>
+          <a:graphicData uri="http://schemas.openxmlformats.org/drawingml/2006/table">
+            <a:tbl>
+              <a:tblPr firstRow="1" bandRow="1">
+                <a:tableStyleId>{7DF18680-E054-41AD-8BC1-D1AEF772440D}</a:tableStyleId>
+              </a:tblPr>
+              <a:tblGrid>
+                <a:gridCol w="468639">
+                  <a:extLst>
+                    <a:ext uri="{9D8B030D-6E8A-4147-A177-3AD203B41FA5}">
+                      <a16:colId xmlns:a16="http://schemas.microsoft.com/office/drawing/2014/main" val="1326988288"/>
+                    </a:ext>
+                  </a:extLst>
+                </a:gridCol>
+                <a:gridCol w="998774">
+                  <a:extLst>
+                    <a:ext uri="{9D8B030D-6E8A-4147-A177-3AD203B41FA5}">
+                      <a16:colId xmlns:a16="http://schemas.microsoft.com/office/drawing/2014/main" val="2448002951"/>
+                    </a:ext>
+                  </a:extLst>
+                </a:gridCol>
+                <a:gridCol w="998774">
+                  <a:extLst>
+                    <a:ext uri="{9D8B030D-6E8A-4147-A177-3AD203B41FA5}">
+                      <a16:colId xmlns:a16="http://schemas.microsoft.com/office/drawing/2014/main" val="762934821"/>
+                    </a:ext>
+                  </a:extLst>
+                </a:gridCol>
+                <a:gridCol w="998774">
+                  <a:extLst>
+                    <a:ext uri="{9D8B030D-6E8A-4147-A177-3AD203B41FA5}">
+                      <a16:colId xmlns:a16="http://schemas.microsoft.com/office/drawing/2014/main" val="2208343937"/>
+                    </a:ext>
+                  </a:extLst>
+                </a:gridCol>
+                <a:gridCol w="998774">
+                  <a:extLst>
+                    <a:ext uri="{9D8B030D-6E8A-4147-A177-3AD203B41FA5}">
+                      <a16:colId xmlns:a16="http://schemas.microsoft.com/office/drawing/2014/main" val="2854233832"/>
+                    </a:ext>
+                  </a:extLst>
+                </a:gridCol>
+                <a:gridCol w="998774">
+                  <a:extLst>
+                    <a:ext uri="{9D8B030D-6E8A-4147-A177-3AD203B41FA5}">
+                      <a16:colId xmlns:a16="http://schemas.microsoft.com/office/drawing/2014/main" val="2555891688"/>
+                    </a:ext>
+                  </a:extLst>
+                </a:gridCol>
+                <a:gridCol w="998774">
+                  <a:extLst>
+                    <a:ext uri="{9D8B030D-6E8A-4147-A177-3AD203B41FA5}">
+                      <a16:colId xmlns:a16="http://schemas.microsoft.com/office/drawing/2014/main" val="1083674882"/>
+                    </a:ext>
+                  </a:extLst>
+                </a:gridCol>
+                <a:gridCol w="998774">
+                  <a:extLst>
+                    <a:ext uri="{9D8B030D-6E8A-4147-A177-3AD203B41FA5}">
+                      <a16:colId xmlns:a16="http://schemas.microsoft.com/office/drawing/2014/main" val="4153446429"/>
+                    </a:ext>
+                  </a:extLst>
+                </a:gridCol>
+              </a:tblGrid>
+              <a:tr h="317492">
+                <a:tc>
+                  <a:txBody>
+                    <a:bodyPr/>
+                    <a:lstStyle/>
+                    <a:p>
+                      <a:r>
+                        <a:rPr lang="en-US" sz="1200" dirty="0">
+                          <a:solidFill>
+                            <a:schemeClr val="tx1">
+                              <a:lumMod val="65000"/>
+                              <a:lumOff val="35000"/>
+                            </a:schemeClr>
+                          </a:solidFill>
+                          <a:latin typeface="Candara Light" panose="020E0502030303020204" pitchFamily="34" charset="0"/>
+                        </a:rPr>
+                        <a:t>_ID</a:t>
+                      </a:r>
+                      <a:endParaRPr lang="en-IN" sz="1200" dirty="0">
+                        <a:solidFill>
+                          <a:schemeClr val="tx1">
+                            <a:lumMod val="65000"/>
+                            <a:lumOff val="35000"/>
+                          </a:schemeClr>
+                        </a:solidFill>
+                        <a:latin typeface="Candara Light" panose="020E0502030303020204" pitchFamily="34" charset="0"/>
+                      </a:endParaRPr>
+                    </a:p>
+                  </a:txBody>
+                  <a:tcPr marL="78286" marR="78286" marT="39143" marB="39143">
+                    <a:lnL w="12700" cap="flat" cmpd="sng" algn="ctr">
+                      <a:solidFill>
+                        <a:schemeClr val="accent1">
+                          <a:lumMod val="75000"/>
+                        </a:schemeClr>
+                      </a:solidFill>
+                      <a:prstDash val="solid"/>
+                      <a:round/>
+                      <a:headEnd type="none" w="med" len="med"/>
+                      <a:tailEnd type="none" w="med" len="med"/>
+                    </a:lnL>
+                    <a:lnR w="12700" cap="flat" cmpd="sng" algn="ctr">
+                      <a:solidFill>
+                        <a:schemeClr val="accent1">
+                          <a:lumMod val="75000"/>
+                        </a:schemeClr>
+                      </a:solidFill>
+                      <a:prstDash val="solid"/>
+                      <a:round/>
+                      <a:headEnd type="none" w="med" len="med"/>
+                      <a:tailEnd type="none" w="med" len="med"/>
+                    </a:lnR>
+                    <a:lnT w="12700" cap="flat" cmpd="sng" algn="ctr">
+                      <a:solidFill>
+                        <a:schemeClr val="accent1">
+                          <a:lumMod val="75000"/>
+                        </a:schemeClr>
+                      </a:solidFill>
+                      <a:prstDash val="solid"/>
+                      <a:round/>
+                      <a:headEnd type="none" w="med" len="med"/>
+                      <a:tailEnd type="none" w="med" len="med"/>
+                    </a:lnT>
+                    <a:lnB w="12700" cap="flat" cmpd="sng" algn="ctr">
+                      <a:solidFill>
+                        <a:schemeClr val="accent1">
+                          <a:lumMod val="75000"/>
+                        </a:schemeClr>
+                      </a:solidFill>
+                      <a:prstDash val="solid"/>
+                      <a:round/>
+                      <a:headEnd type="none" w="med" len="med"/>
+                      <a:tailEnd type="none" w="med" len="med"/>
+                    </a:lnB>
+                    <a:lnTlToBr w="12700" cmpd="sng">
+                      <a:noFill/>
+                      <a:prstDash val="solid"/>
+                    </a:lnTlToBr>
+                    <a:lnBlToTr w="12700" cmpd="sng">
+                      <a:noFill/>
+                      <a:prstDash val="solid"/>
+                    </a:lnBlToTr>
+                    <a:solidFill>
+                      <a:schemeClr val="bg1">
+                        <a:lumMod val="95000"/>
+                      </a:schemeClr>
+                    </a:solidFill>
+                  </a:tcPr>
+                </a:tc>
+                <a:tc>
+                  <a:txBody>
+                    <a:bodyPr/>
+                    <a:lstStyle/>
+                    <a:p>
+                      <a:r>
+                        <a:rPr lang="en-US" sz="1200" dirty="0">
+                          <a:solidFill>
+                            <a:schemeClr val="tx1">
+                              <a:lumMod val="65000"/>
+                              <a:lumOff val="35000"/>
+                            </a:schemeClr>
+                          </a:solidFill>
+                          <a:latin typeface="Candara Light" panose="020E0502030303020204" pitchFamily="34" charset="0"/>
+                        </a:rPr>
+                        <a:t>FACULTY</a:t>
+                      </a:r>
+                      <a:endParaRPr lang="en-IN" sz="1200" dirty="0">
+                        <a:solidFill>
+                          <a:schemeClr val="tx1">
+                            <a:lumMod val="65000"/>
+                            <a:lumOff val="35000"/>
+                          </a:schemeClr>
+                        </a:solidFill>
+                        <a:latin typeface="Candara Light" panose="020E0502030303020204" pitchFamily="34" charset="0"/>
+                      </a:endParaRPr>
+                    </a:p>
+                  </a:txBody>
+                  <a:tcPr marL="78286" marR="78286" marT="39143" marB="39143">
+                    <a:lnL w="12700" cap="flat" cmpd="sng" algn="ctr">
+                      <a:solidFill>
+                        <a:schemeClr val="accent1">
+                          <a:lumMod val="75000"/>
+                        </a:schemeClr>
+                      </a:solidFill>
+                      <a:prstDash val="solid"/>
+                      <a:round/>
+                      <a:headEnd type="none" w="med" len="med"/>
+                      <a:tailEnd type="none" w="med" len="med"/>
+                    </a:lnL>
+                    <a:lnR w="12700" cap="flat" cmpd="sng" algn="ctr">
+                      <a:solidFill>
+                        <a:schemeClr val="accent1">
+                          <a:lumMod val="75000"/>
+                        </a:schemeClr>
+                      </a:solidFill>
+                      <a:prstDash val="solid"/>
+                      <a:round/>
+                      <a:headEnd type="none" w="med" len="med"/>
+                      <a:tailEnd type="none" w="med" len="med"/>
+                    </a:lnR>
+                    <a:lnT w="12700" cap="flat" cmpd="sng" algn="ctr">
+                      <a:solidFill>
+                        <a:schemeClr val="accent1">
+                          <a:lumMod val="75000"/>
+                        </a:schemeClr>
+                      </a:solidFill>
+                      <a:prstDash val="solid"/>
+                      <a:round/>
+                      <a:headEnd type="none" w="med" len="med"/>
+                      <a:tailEnd type="none" w="med" len="med"/>
+                    </a:lnT>
+                    <a:lnB w="12700" cap="flat" cmpd="sng" algn="ctr">
+                      <a:solidFill>
+                        <a:schemeClr val="accent1">
+                          <a:lumMod val="75000"/>
+                        </a:schemeClr>
+                      </a:solidFill>
+                      <a:prstDash val="solid"/>
+                      <a:round/>
+                      <a:headEnd type="none" w="med" len="med"/>
+                      <a:tailEnd type="none" w="med" len="med"/>
+                    </a:lnB>
+                    <a:lnTlToBr w="12700" cmpd="sng">
+                      <a:noFill/>
+                      <a:prstDash val="solid"/>
+                    </a:lnTlToBr>
+                    <a:lnBlToTr w="12700" cmpd="sng">
+                      <a:noFill/>
+                      <a:prstDash val="solid"/>
+                    </a:lnBlToTr>
+                    <a:solidFill>
+                      <a:schemeClr val="bg1">
+                        <a:lumMod val="95000"/>
+                      </a:schemeClr>
+                    </a:solidFill>
+                  </a:tcPr>
+                </a:tc>
+                <a:tc>
+                  <a:txBody>
+                    <a:bodyPr/>
+                    <a:lstStyle/>
+                    <a:p>
+                      <a:r>
+                        <a:rPr lang="en-US" sz="1200" dirty="0">
+                          <a:solidFill>
+                            <a:schemeClr val="tx1">
+                              <a:lumMod val="65000"/>
+                              <a:lumOff val="35000"/>
+                            </a:schemeClr>
+                          </a:solidFill>
+                          <a:latin typeface="Candara Light" panose="020E0502030303020204" pitchFamily="34" charset="0"/>
+                        </a:rPr>
+                        <a:t>STUDENT</a:t>
+                      </a:r>
+                      <a:endParaRPr lang="en-IN" sz="1200" dirty="0">
+                        <a:solidFill>
+                          <a:schemeClr val="tx1">
+                            <a:lumMod val="65000"/>
+                            <a:lumOff val="35000"/>
+                          </a:schemeClr>
+                        </a:solidFill>
+                        <a:latin typeface="Candara Light" panose="020E0502030303020204" pitchFamily="34" charset="0"/>
+                      </a:endParaRPr>
+                    </a:p>
+                  </a:txBody>
+                  <a:tcPr marL="78286" marR="78286" marT="39143" marB="39143">
+                    <a:lnL w="12700" cap="flat" cmpd="sng" algn="ctr">
+                      <a:solidFill>
+                        <a:schemeClr val="accent1">
+                          <a:lumMod val="75000"/>
+                        </a:schemeClr>
+                      </a:solidFill>
+                      <a:prstDash val="solid"/>
+                      <a:round/>
+                      <a:headEnd type="none" w="med" len="med"/>
+                      <a:tailEnd type="none" w="med" len="med"/>
+                    </a:lnL>
+                    <a:lnR w="12700" cap="flat" cmpd="sng" algn="ctr">
+                      <a:solidFill>
+                        <a:schemeClr val="accent1">
+                          <a:lumMod val="75000"/>
+                        </a:schemeClr>
+                      </a:solidFill>
+                      <a:prstDash val="solid"/>
+                      <a:round/>
+                      <a:headEnd type="none" w="med" len="med"/>
+                      <a:tailEnd type="none" w="med" len="med"/>
+                    </a:lnR>
+                    <a:lnT w="12700" cap="flat" cmpd="sng" algn="ctr">
+                      <a:solidFill>
+                        <a:schemeClr val="accent1">
+                          <a:lumMod val="75000"/>
+                        </a:schemeClr>
+                      </a:solidFill>
+                      <a:prstDash val="solid"/>
+                      <a:round/>
+                      <a:headEnd type="none" w="med" len="med"/>
+                      <a:tailEnd type="none" w="med" len="med"/>
+                    </a:lnT>
+                    <a:lnB w="12700" cap="flat" cmpd="sng" algn="ctr">
+                      <a:solidFill>
+                        <a:schemeClr val="accent1">
+                          <a:lumMod val="75000"/>
+                        </a:schemeClr>
+                      </a:solidFill>
+                      <a:prstDash val="solid"/>
+                      <a:round/>
+                      <a:headEnd type="none" w="med" len="med"/>
+                      <a:tailEnd type="none" w="med" len="med"/>
+                    </a:lnB>
+                    <a:lnTlToBr w="12700" cmpd="sng">
+                      <a:noFill/>
+                      <a:prstDash val="solid"/>
+                    </a:lnTlToBr>
+                    <a:lnBlToTr w="12700" cmpd="sng">
+                      <a:noFill/>
+                      <a:prstDash val="solid"/>
+                    </a:lnBlToTr>
+                    <a:solidFill>
+                      <a:schemeClr val="bg1">
+                        <a:lumMod val="95000"/>
+                      </a:schemeClr>
+                    </a:solidFill>
+                  </a:tcPr>
+                </a:tc>
+                <a:tc>
+                  <a:txBody>
+                    <a:bodyPr/>
+                    <a:lstStyle/>
+                    <a:p>
+                      <a:r>
+                        <a:rPr lang="en-US" sz="1200" dirty="0">
+                          <a:solidFill>
+                            <a:schemeClr val="tx1">
+                              <a:lumMod val="65000"/>
+                              <a:lumOff val="35000"/>
+                            </a:schemeClr>
+                          </a:solidFill>
+                          <a:latin typeface="Candara Light" panose="020E0502030303020204" pitchFamily="34" charset="0"/>
+                        </a:rPr>
+                        <a:t>COURSE</a:t>
+                      </a:r>
+                      <a:endParaRPr lang="en-IN" sz="1200" dirty="0">
+                        <a:solidFill>
+                          <a:schemeClr val="tx1">
+                            <a:lumMod val="65000"/>
+                            <a:lumOff val="35000"/>
+                          </a:schemeClr>
+                        </a:solidFill>
+                        <a:latin typeface="Candara Light" panose="020E0502030303020204" pitchFamily="34" charset="0"/>
+                      </a:endParaRPr>
+                    </a:p>
+                  </a:txBody>
+                  <a:tcPr marL="78286" marR="78286" marT="39143" marB="39143">
+                    <a:lnL w="12700" cap="flat" cmpd="sng" algn="ctr">
+                      <a:solidFill>
+                        <a:schemeClr val="accent1">
+                          <a:lumMod val="75000"/>
+                        </a:schemeClr>
+                      </a:solidFill>
+                      <a:prstDash val="solid"/>
+                      <a:round/>
+                      <a:headEnd type="none" w="med" len="med"/>
+                      <a:tailEnd type="none" w="med" len="med"/>
+                    </a:lnL>
+                    <a:lnR w="12700" cap="flat" cmpd="sng" algn="ctr">
+                      <a:solidFill>
+                        <a:schemeClr val="accent1">
+                          <a:lumMod val="75000"/>
+                        </a:schemeClr>
+                      </a:solidFill>
+                      <a:prstDash val="solid"/>
+                      <a:round/>
+                      <a:headEnd type="none" w="med" len="med"/>
+                      <a:tailEnd type="none" w="med" len="med"/>
+                    </a:lnR>
+                    <a:lnT w="12700" cap="flat" cmpd="sng" algn="ctr">
+                      <a:solidFill>
+                        <a:schemeClr val="accent1">
+                          <a:lumMod val="75000"/>
+                        </a:schemeClr>
+                      </a:solidFill>
+                      <a:prstDash val="solid"/>
+                      <a:round/>
+                      <a:headEnd type="none" w="med" len="med"/>
+                      <a:tailEnd type="none" w="med" len="med"/>
+                    </a:lnT>
+                    <a:lnB w="12700" cap="flat" cmpd="sng" algn="ctr">
+                      <a:solidFill>
+                        <a:schemeClr val="accent1">
+                          <a:lumMod val="75000"/>
+                        </a:schemeClr>
+                      </a:solidFill>
+                      <a:prstDash val="solid"/>
+                      <a:round/>
+                      <a:headEnd type="none" w="med" len="med"/>
+                      <a:tailEnd type="none" w="med" len="med"/>
+                    </a:lnB>
+                    <a:lnTlToBr w="12700" cmpd="sng">
+                      <a:noFill/>
+                      <a:prstDash val="solid"/>
+                    </a:lnTlToBr>
+                    <a:lnBlToTr w="12700" cmpd="sng">
+                      <a:noFill/>
+                      <a:prstDash val="solid"/>
+                    </a:lnBlToTr>
+                    <a:solidFill>
+                      <a:schemeClr val="bg1">
+                        <a:lumMod val="95000"/>
+                      </a:schemeClr>
+                    </a:solidFill>
+                  </a:tcPr>
+                </a:tc>
+                <a:tc>
+                  <a:txBody>
+                    <a:bodyPr/>
+                    <a:lstStyle/>
+                    <a:p>
+                      <a:r>
+                        <a:rPr lang="en-US" sz="1200" dirty="0">
+                          <a:solidFill>
+                            <a:schemeClr val="tx1">
+                              <a:lumMod val="65000"/>
+                              <a:lumOff val="35000"/>
+                            </a:schemeClr>
+                          </a:solidFill>
+                          <a:latin typeface="Candara Light" panose="020E0502030303020204" pitchFamily="34" charset="0"/>
+                        </a:rPr>
+                        <a:t>CLASS</a:t>
+                      </a:r>
+                      <a:endParaRPr lang="en-IN" sz="1200" dirty="0">
+                        <a:solidFill>
+                          <a:schemeClr val="tx1">
+                            <a:lumMod val="65000"/>
+                            <a:lumOff val="35000"/>
+                          </a:schemeClr>
+                        </a:solidFill>
+                        <a:latin typeface="Candara Light" panose="020E0502030303020204" pitchFamily="34" charset="0"/>
+                      </a:endParaRPr>
+                    </a:p>
+                  </a:txBody>
+                  <a:tcPr marL="78286" marR="78286" marT="39143" marB="39143">
+                    <a:lnL w="12700" cap="flat" cmpd="sng" algn="ctr">
+                      <a:solidFill>
+                        <a:schemeClr val="accent1">
+                          <a:lumMod val="75000"/>
+                        </a:schemeClr>
+                      </a:solidFill>
+                      <a:prstDash val="solid"/>
+                      <a:round/>
+                      <a:headEnd type="none" w="med" len="med"/>
+                      <a:tailEnd type="none" w="med" len="med"/>
+                    </a:lnL>
+                    <a:lnR w="12700" cap="flat" cmpd="sng" algn="ctr">
+                      <a:solidFill>
+                        <a:schemeClr val="accent1">
+                          <a:lumMod val="75000"/>
+                        </a:schemeClr>
+                      </a:solidFill>
+                      <a:prstDash val="solid"/>
+                      <a:round/>
+                      <a:headEnd type="none" w="med" len="med"/>
+                      <a:tailEnd type="none" w="med" len="med"/>
+                    </a:lnR>
+                    <a:lnT w="12700" cap="flat" cmpd="sng" algn="ctr">
+                      <a:solidFill>
+                        <a:schemeClr val="accent1">
+                          <a:lumMod val="75000"/>
+                        </a:schemeClr>
+                      </a:solidFill>
+                      <a:prstDash val="solid"/>
+                      <a:round/>
+                      <a:headEnd type="none" w="med" len="med"/>
+                      <a:tailEnd type="none" w="med" len="med"/>
+                    </a:lnT>
+                    <a:lnB w="12700" cap="flat" cmpd="sng" algn="ctr">
+                      <a:solidFill>
+                        <a:schemeClr val="accent1">
+                          <a:lumMod val="75000"/>
+                        </a:schemeClr>
+                      </a:solidFill>
+                      <a:prstDash val="solid"/>
+                      <a:round/>
+                      <a:headEnd type="none" w="med" len="med"/>
+                      <a:tailEnd type="none" w="med" len="med"/>
+                    </a:lnB>
+                    <a:lnTlToBr w="12700" cmpd="sng">
+                      <a:noFill/>
+                      <a:prstDash val="solid"/>
+                    </a:lnTlToBr>
+                    <a:lnBlToTr w="12700" cmpd="sng">
+                      <a:noFill/>
+                      <a:prstDash val="solid"/>
+                    </a:lnBlToTr>
+                    <a:solidFill>
+                      <a:schemeClr val="bg1">
+                        <a:lumMod val="95000"/>
+                      </a:schemeClr>
+                    </a:solidFill>
+                  </a:tcPr>
+                </a:tc>
+                <a:tc>
+                  <a:txBody>
+                    <a:bodyPr/>
+                    <a:lstStyle/>
+                    <a:p>
+                      <a:r>
+                        <a:rPr lang="en-US" sz="1200" dirty="0">
+                          <a:solidFill>
+                            <a:schemeClr val="tx1">
+                              <a:lumMod val="65000"/>
+                              <a:lumOff val="35000"/>
+                            </a:schemeClr>
+                          </a:solidFill>
+                          <a:latin typeface="Candara Light" panose="020E0502030303020204" pitchFamily="34" charset="0"/>
+                        </a:rPr>
+                        <a:t>HELD</a:t>
+                      </a:r>
+                      <a:endParaRPr lang="en-IN" sz="1200" dirty="0">
+                        <a:solidFill>
+                          <a:schemeClr val="tx1">
+                            <a:lumMod val="65000"/>
+                            <a:lumOff val="35000"/>
+                          </a:schemeClr>
+                        </a:solidFill>
+                        <a:latin typeface="Candara Light" panose="020E0502030303020204" pitchFamily="34" charset="0"/>
+                      </a:endParaRPr>
+                    </a:p>
+                  </a:txBody>
+                  <a:tcPr marL="78286" marR="78286" marT="39143" marB="39143">
+                    <a:lnL w="12700" cap="flat" cmpd="sng" algn="ctr">
+                      <a:solidFill>
+                        <a:schemeClr val="accent1">
+                          <a:lumMod val="75000"/>
+                        </a:schemeClr>
+                      </a:solidFill>
+                      <a:prstDash val="solid"/>
+                      <a:round/>
+                      <a:headEnd type="none" w="med" len="med"/>
+                      <a:tailEnd type="none" w="med" len="med"/>
+                    </a:lnL>
+                    <a:lnR w="12700" cap="flat" cmpd="sng" algn="ctr">
+                      <a:solidFill>
+                        <a:schemeClr val="accent1">
+                          <a:lumMod val="75000"/>
+                        </a:schemeClr>
+                      </a:solidFill>
+                      <a:prstDash val="solid"/>
+                      <a:round/>
+                      <a:headEnd type="none" w="med" len="med"/>
+                      <a:tailEnd type="none" w="med" len="med"/>
+                    </a:lnR>
+                    <a:lnT w="12700" cap="flat" cmpd="sng" algn="ctr">
+                      <a:solidFill>
+                        <a:schemeClr val="accent1">
+                          <a:lumMod val="75000"/>
+                        </a:schemeClr>
+                      </a:solidFill>
+                      <a:prstDash val="solid"/>
+                      <a:round/>
+                      <a:headEnd type="none" w="med" len="med"/>
+                      <a:tailEnd type="none" w="med" len="med"/>
+                    </a:lnT>
+                    <a:lnB w="12700" cap="flat" cmpd="sng" algn="ctr">
+                      <a:solidFill>
+                        <a:schemeClr val="accent1">
+                          <a:lumMod val="75000"/>
+                        </a:schemeClr>
+                      </a:solidFill>
+                      <a:prstDash val="solid"/>
+                      <a:round/>
+                      <a:headEnd type="none" w="med" len="med"/>
+                      <a:tailEnd type="none" w="med" len="med"/>
+                    </a:lnB>
+                    <a:lnTlToBr w="12700" cmpd="sng">
+                      <a:noFill/>
+                      <a:prstDash val="solid"/>
+                    </a:lnTlToBr>
+                    <a:lnBlToTr w="12700" cmpd="sng">
+                      <a:noFill/>
+                      <a:prstDash val="solid"/>
+                    </a:lnBlToTr>
+                    <a:solidFill>
+                      <a:schemeClr val="bg1">
+                        <a:lumMod val="95000"/>
+                      </a:schemeClr>
+                    </a:solidFill>
+                  </a:tcPr>
+                </a:tc>
+                <a:tc>
+                  <a:txBody>
+                    <a:bodyPr/>
+                    <a:lstStyle/>
+                    <a:p>
+                      <a:r>
+                        <a:rPr lang="en-US" sz="1200" dirty="0">
+                          <a:solidFill>
+                            <a:schemeClr val="tx1">
+                              <a:lumMod val="65000"/>
+                              <a:lumOff val="35000"/>
+                            </a:schemeClr>
+                          </a:solidFill>
+                          <a:latin typeface="Candara Light" panose="020E0502030303020204" pitchFamily="34" charset="0"/>
+                        </a:rPr>
+                        <a:t>ATTENDED</a:t>
+                      </a:r>
+                      <a:endParaRPr lang="en-IN" sz="1200" dirty="0">
+                        <a:solidFill>
+                          <a:schemeClr val="tx1">
+                            <a:lumMod val="65000"/>
+                            <a:lumOff val="35000"/>
+                          </a:schemeClr>
+                        </a:solidFill>
+                        <a:latin typeface="Candara Light" panose="020E0502030303020204" pitchFamily="34" charset="0"/>
+                      </a:endParaRPr>
+                    </a:p>
+                  </a:txBody>
+                  <a:tcPr marL="78286" marR="78286" marT="39143" marB="39143">
+                    <a:lnL w="12700" cap="flat" cmpd="sng" algn="ctr">
+                      <a:solidFill>
+                        <a:schemeClr val="accent1">
+                          <a:lumMod val="75000"/>
+                        </a:schemeClr>
+                      </a:solidFill>
+                      <a:prstDash val="solid"/>
+                      <a:round/>
+                      <a:headEnd type="none" w="med" len="med"/>
+                      <a:tailEnd type="none" w="med" len="med"/>
+                    </a:lnL>
+                    <a:lnR w="12700" cap="flat" cmpd="sng" algn="ctr">
+                      <a:solidFill>
+                        <a:schemeClr val="accent1">
+                          <a:lumMod val="75000"/>
+                        </a:schemeClr>
+                      </a:solidFill>
+                      <a:prstDash val="solid"/>
+                      <a:round/>
+                      <a:headEnd type="none" w="med" len="med"/>
+                      <a:tailEnd type="none" w="med" len="med"/>
+                    </a:lnR>
+                    <a:lnT w="12700" cap="flat" cmpd="sng" algn="ctr">
+                      <a:solidFill>
+                        <a:schemeClr val="accent1">
+                          <a:lumMod val="75000"/>
+                        </a:schemeClr>
+                      </a:solidFill>
+                      <a:prstDash val="solid"/>
+                      <a:round/>
+                      <a:headEnd type="none" w="med" len="med"/>
+                      <a:tailEnd type="none" w="med" len="med"/>
+                    </a:lnT>
+                    <a:lnB w="12700" cap="flat" cmpd="sng" algn="ctr">
+                      <a:solidFill>
+                        <a:schemeClr val="accent1">
+                          <a:lumMod val="75000"/>
+                        </a:schemeClr>
+                      </a:solidFill>
+                      <a:prstDash val="solid"/>
+                      <a:round/>
+                      <a:headEnd type="none" w="med" len="med"/>
+                      <a:tailEnd type="none" w="med" len="med"/>
+                    </a:lnB>
+                    <a:lnTlToBr w="12700" cmpd="sng">
+                      <a:noFill/>
+                      <a:prstDash val="solid"/>
+                    </a:lnTlToBr>
+                    <a:lnBlToTr w="12700" cmpd="sng">
+                      <a:noFill/>
+                      <a:prstDash val="solid"/>
+                    </a:lnBlToTr>
+                    <a:solidFill>
+                      <a:schemeClr val="bg1">
+                        <a:lumMod val="95000"/>
+                      </a:schemeClr>
+                    </a:solidFill>
+                  </a:tcPr>
+                </a:tc>
+                <a:tc>
+                  <a:txBody>
+                    <a:bodyPr/>
+                    <a:lstStyle/>
+                    <a:p>
+                      <a:r>
+                        <a:rPr lang="en-US" sz="1200" dirty="0">
+                          <a:solidFill>
+                            <a:schemeClr val="tx1">
+                              <a:lumMod val="65000"/>
+                              <a:lumOff val="35000"/>
+                            </a:schemeClr>
+                          </a:solidFill>
+                          <a:latin typeface="Candara Light" panose="020E0502030303020204" pitchFamily="34" charset="0"/>
+                        </a:rPr>
+                        <a:t>TIMESTAMPS</a:t>
+                      </a:r>
+                      <a:endParaRPr lang="en-IN" sz="1200" dirty="0">
+                        <a:solidFill>
+                          <a:schemeClr val="tx1">
+                            <a:lumMod val="65000"/>
+                            <a:lumOff val="35000"/>
+                          </a:schemeClr>
+                        </a:solidFill>
+                        <a:latin typeface="Candara Light" panose="020E0502030303020204" pitchFamily="34" charset="0"/>
+                      </a:endParaRPr>
+                    </a:p>
+                  </a:txBody>
+                  <a:tcPr marL="78286" marR="78286" marT="39143" marB="39143">
+                    <a:lnL w="12700" cap="flat" cmpd="sng" algn="ctr">
+                      <a:solidFill>
+                        <a:schemeClr val="accent1">
+                          <a:lumMod val="75000"/>
+                        </a:schemeClr>
+                      </a:solidFill>
+                      <a:prstDash val="solid"/>
+                      <a:round/>
+                      <a:headEnd type="none" w="med" len="med"/>
+                      <a:tailEnd type="none" w="med" len="med"/>
+                    </a:lnL>
+                    <a:lnR w="12700" cap="flat" cmpd="sng" algn="ctr">
+                      <a:solidFill>
+                        <a:schemeClr val="accent1">
+                          <a:lumMod val="75000"/>
+                        </a:schemeClr>
+                      </a:solidFill>
+                      <a:prstDash val="solid"/>
+                      <a:round/>
+                      <a:headEnd type="none" w="med" len="med"/>
+                      <a:tailEnd type="none" w="med" len="med"/>
+                    </a:lnR>
+                    <a:lnT w="12700" cap="flat" cmpd="sng" algn="ctr">
+                      <a:solidFill>
+                        <a:schemeClr val="accent1">
+                          <a:lumMod val="75000"/>
+                        </a:schemeClr>
+                      </a:solidFill>
+                      <a:prstDash val="solid"/>
+                      <a:round/>
+                      <a:headEnd type="none" w="med" len="med"/>
+                      <a:tailEnd type="none" w="med" len="med"/>
+                    </a:lnT>
+                    <a:lnB w="12700" cap="flat" cmpd="sng" algn="ctr">
+                      <a:solidFill>
+                        <a:schemeClr val="accent1">
+                          <a:lumMod val="75000"/>
+                        </a:schemeClr>
+                      </a:solidFill>
+                      <a:prstDash val="solid"/>
+                      <a:round/>
+                      <a:headEnd type="none" w="med" len="med"/>
+                      <a:tailEnd type="none" w="med" len="med"/>
+                    </a:lnB>
+                    <a:lnTlToBr w="12700" cmpd="sng">
+                      <a:noFill/>
+                      <a:prstDash val="solid"/>
+                    </a:lnTlToBr>
+                    <a:lnBlToTr w="12700" cmpd="sng">
+                      <a:noFill/>
+                      <a:prstDash val="solid"/>
+                    </a:lnBlToTr>
+                    <a:solidFill>
+                      <a:schemeClr val="bg1">
+                        <a:lumMod val="95000"/>
+                      </a:schemeClr>
+                    </a:solidFill>
+                  </a:tcPr>
+                </a:tc>
+                <a:extLst>
+                  <a:ext uri="{0D108BD9-81ED-4DB2-BD59-A6C34878D82A}">
+                    <a16:rowId xmlns:a16="http://schemas.microsoft.com/office/drawing/2014/main" val="1338923890"/>
+                  </a:ext>
+                </a:extLst>
+              </a:tr>
+            </a:tbl>
+          </a:graphicData>
+        </a:graphic>
+      </p:graphicFrame>
+      <p:cxnSp>
+        <p:nvCxnSpPr>
+          <p:cNvPr id="5" name="Connector: Elbow 4">
+            <a:extLst>
+              <a:ext uri="{FF2B5EF4-FFF2-40B4-BE49-F238E27FC236}">
+                <a16:creationId xmlns:a16="http://schemas.microsoft.com/office/drawing/2014/main" id="{738964F2-1E96-AF5A-7BC2-39D52CB137B9}"/>
+              </a:ext>
+            </a:extLst>
+          </p:cNvPr>
+          <p:cNvCxnSpPr>
+            <a:cxnSpLocks/>
+          </p:cNvCxnSpPr>
+          <p:nvPr/>
+        </p:nvCxnSpPr>
+        <p:spPr>
+          <a:xfrm rot="16200000" flipV="1">
+            <a:off x="2758829" y="2441420"/>
+            <a:ext cx="1091374" cy="1032093"/>
+          </a:xfrm>
+          <a:prstGeom prst="bentConnector3">
+            <a:avLst/>
+          </a:prstGeom>
+          <a:ln>
+            <a:solidFill>
+              <a:schemeClr val="tx1">
+                <a:lumMod val="65000"/>
+                <a:lumOff val="35000"/>
+              </a:schemeClr>
+            </a:solidFill>
+            <a:tailEnd type="triangle"/>
+          </a:ln>
+        </p:spPr>
+        <p:style>
+          <a:lnRef idx="1">
+            <a:schemeClr val="accent1"/>
+          </a:lnRef>
+          <a:fillRef idx="0">
+            <a:schemeClr val="accent1"/>
+          </a:fillRef>
+          <a:effectRef idx="0">
+            <a:schemeClr val="accent1"/>
+          </a:effectRef>
+          <a:fontRef idx="minor">
+            <a:schemeClr val="tx1"/>
+          </a:fontRef>
+        </p:style>
+      </p:cxnSp>
+    </p:spTree>
+    <p:extLst>
+      <p:ext uri="{BB962C8B-B14F-4D97-AF65-F5344CB8AC3E}">
+        <p14:creationId xmlns:p14="http://schemas.microsoft.com/office/powerpoint/2010/main" val="3769193620"/>
+      </p:ext>
+    </p:extLst>
+  </p:cSld>
+  <p:clrMapOvr>
+    <a:masterClrMapping/>
+  </p:clrMapOvr>
+</p:sld>
+</file>
+
+<file path=ppt/slides/slide3.xml><?xml version="1.0" encoding="utf-8"?>
+<p:sld xmlns:a="http://schemas.openxmlformats.org/drawingml/2006/main" xmlns:r="http://schemas.openxmlformats.org/officeDocument/2006/relationships" xmlns:p="http://schemas.openxmlformats.org/presentationml/2006/main">
+  <p:cSld>
+    <p:spTree>
+      <p:nvGrpSpPr>
+        <p:cNvPr id="1" name=""/>
+        <p:cNvGrpSpPr/>
+        <p:nvPr/>
+      </p:nvGrpSpPr>
+      <p:grpSpPr>
+        <a:xfrm>
+          <a:off x="0" y="0"/>
+          <a:ext cx="0" cy="0"/>
+          <a:chOff x="0" y="0"/>
+          <a:chExt cx="0" cy="0"/>
+        </a:xfrm>
+      </p:grpSpPr>
+      <p:sp>
+        <p:nvSpPr>
+          <p:cNvPr id="2" name="Rectangle: Rounded Corners 1">
+            <a:extLst>
+              <a:ext uri="{FF2B5EF4-FFF2-40B4-BE49-F238E27FC236}">
+                <a16:creationId xmlns:a16="http://schemas.microsoft.com/office/drawing/2014/main" id="{1E687FB3-3BCA-4BF8-6A7E-7C8E2052FB40}"/>
+              </a:ext>
+            </a:extLst>
+          </p:cNvPr>
+          <p:cNvSpPr/>
+          <p:nvPr/>
+        </p:nvSpPr>
+        <p:spPr>
+          <a:xfrm>
+            <a:off x="995881" y="1702052"/>
+            <a:ext cx="1448555" cy="344032"/>
+          </a:xfrm>
+          <a:prstGeom prst="roundRect">
+            <a:avLst/>
+          </a:prstGeom>
+        </p:spPr>
+        <p:style>
+          <a:lnRef idx="2">
+            <a:schemeClr val="accent1">
+              <a:shade val="50000"/>
+            </a:schemeClr>
+          </a:lnRef>
+          <a:fillRef idx="1">
+            <a:schemeClr val="accent1"/>
+          </a:fillRef>
+          <a:effectRef idx="0">
+            <a:schemeClr val="accent1"/>
+          </a:effectRef>
+          <a:fontRef idx="minor">
+            <a:schemeClr val="lt1"/>
+          </a:fontRef>
+        </p:style>
+        <p:txBody>
+          <a:bodyPr rtlCol="0" anchor="ctr"/>
+          <a:lstStyle/>
+          <a:p>
+            <a:pPr algn="ctr"/>
+            <a:r>
+              <a:rPr lang="en-US" sz="1400" dirty="0"/>
+              <a:t>DEPT: CSE</a:t>
+            </a:r>
+            <a:endParaRPr lang="en-IN" sz="1400" dirty="0"/>
+          </a:p>
+        </p:txBody>
+      </p:sp>
+      <p:sp>
+        <p:nvSpPr>
+          <p:cNvPr id="3" name="Rectangle: Rounded Corners 2">
+            <a:extLst>
+              <a:ext uri="{FF2B5EF4-FFF2-40B4-BE49-F238E27FC236}">
+                <a16:creationId xmlns:a16="http://schemas.microsoft.com/office/drawing/2014/main" id="{0FA2794C-57E3-E526-9EC8-0A51765EF23A}"/>
+              </a:ext>
+            </a:extLst>
+          </p:cNvPr>
+          <p:cNvSpPr/>
+          <p:nvPr/>
+        </p:nvSpPr>
+        <p:spPr>
+          <a:xfrm>
+            <a:off x="2643612" y="1702052"/>
+            <a:ext cx="1448555" cy="344032"/>
+          </a:xfrm>
+          <a:prstGeom prst="roundRect">
+            <a:avLst/>
+          </a:prstGeom>
+        </p:spPr>
+        <p:style>
+          <a:lnRef idx="2">
+            <a:schemeClr val="accent1">
+              <a:shade val="50000"/>
+            </a:schemeClr>
+          </a:lnRef>
+          <a:fillRef idx="1">
+            <a:schemeClr val="accent1"/>
+          </a:fillRef>
+          <a:effectRef idx="0">
+            <a:schemeClr val="accent1"/>
+          </a:effectRef>
+          <a:fontRef idx="minor">
+            <a:schemeClr val="lt1"/>
+          </a:fontRef>
+        </p:style>
+        <p:txBody>
+          <a:bodyPr rtlCol="0" anchor="ctr"/>
+          <a:lstStyle/>
+          <a:p>
+            <a:pPr algn="ctr"/>
+            <a:r>
+              <a:rPr lang="en-US" sz="1400" dirty="0"/>
+              <a:t>YEAR: 2</a:t>
+            </a:r>
+            <a:endParaRPr lang="en-IN" sz="1400" dirty="0"/>
+          </a:p>
+        </p:txBody>
+      </p:sp>
+      <p:sp>
+        <p:nvSpPr>
+          <p:cNvPr id="4" name="Rectangle: Rounded Corners 3">
+            <a:extLst>
+              <a:ext uri="{FF2B5EF4-FFF2-40B4-BE49-F238E27FC236}">
+                <a16:creationId xmlns:a16="http://schemas.microsoft.com/office/drawing/2014/main" id="{83961F1C-DC6A-4190-FF36-26FE68CF5B15}"/>
+              </a:ext>
+            </a:extLst>
+          </p:cNvPr>
+          <p:cNvSpPr/>
+          <p:nvPr/>
+        </p:nvSpPr>
+        <p:spPr>
+          <a:xfrm>
+            <a:off x="4291343" y="1702052"/>
+            <a:ext cx="1448555" cy="344032"/>
+          </a:xfrm>
+          <a:prstGeom prst="roundRect">
+            <a:avLst/>
+          </a:prstGeom>
+        </p:spPr>
+        <p:style>
+          <a:lnRef idx="2">
+            <a:schemeClr val="accent1">
+              <a:shade val="50000"/>
+            </a:schemeClr>
+          </a:lnRef>
+          <a:fillRef idx="1">
+            <a:schemeClr val="accent1"/>
+          </a:fillRef>
+          <a:effectRef idx="0">
+            <a:schemeClr val="accent1"/>
+          </a:effectRef>
+          <a:fontRef idx="minor">
+            <a:schemeClr val="lt1"/>
+          </a:fontRef>
+        </p:style>
+        <p:txBody>
+          <a:bodyPr rtlCol="0" anchor="ctr"/>
+          <a:lstStyle/>
+          <a:p>
+            <a:pPr algn="ctr"/>
+            <a:r>
+              <a:rPr lang="en-US" sz="1400" dirty="0"/>
+              <a:t>SEM: 4</a:t>
+            </a:r>
+            <a:endParaRPr lang="en-IN" sz="1400" dirty="0"/>
+          </a:p>
+        </p:txBody>
+      </p:sp>
+      <p:sp>
+        <p:nvSpPr>
+          <p:cNvPr id="5" name="Rectangle: Rounded Corners 4">
+            <a:extLst>
+              <a:ext uri="{FF2B5EF4-FFF2-40B4-BE49-F238E27FC236}">
+                <a16:creationId xmlns:a16="http://schemas.microsoft.com/office/drawing/2014/main" id="{9017985E-7D31-D8EE-A108-55F470DC54CF}"/>
+              </a:ext>
+            </a:extLst>
+          </p:cNvPr>
+          <p:cNvSpPr/>
+          <p:nvPr/>
+        </p:nvSpPr>
+        <p:spPr>
+          <a:xfrm>
+            <a:off x="5939074" y="1702052"/>
+            <a:ext cx="1448555" cy="344032"/>
+          </a:xfrm>
+          <a:prstGeom prst="roundRect">
+            <a:avLst/>
+          </a:prstGeom>
+        </p:spPr>
+        <p:style>
+          <a:lnRef idx="2">
+            <a:schemeClr val="accent1">
+              <a:shade val="50000"/>
+            </a:schemeClr>
+          </a:lnRef>
+          <a:fillRef idx="1">
+            <a:schemeClr val="accent1"/>
+          </a:fillRef>
+          <a:effectRef idx="0">
+            <a:schemeClr val="accent1"/>
+          </a:effectRef>
+          <a:fontRef idx="minor">
+            <a:schemeClr val="lt1"/>
+          </a:fontRef>
+        </p:style>
+        <p:txBody>
+          <a:bodyPr rtlCol="0" anchor="ctr"/>
+          <a:lstStyle/>
+          <a:p>
+            <a:pPr algn="ctr"/>
+            <a:r>
+              <a:rPr lang="en-US" sz="1400" dirty="0"/>
+              <a:t>SECTION: A</a:t>
+            </a:r>
+            <a:endParaRPr lang="en-IN" sz="1400" dirty="0"/>
+          </a:p>
+        </p:txBody>
+      </p:sp>
+      <p:sp>
+        <p:nvSpPr>
+          <p:cNvPr id="6" name="Rectangle: Rounded Corners 5">
+            <a:extLst>
+              <a:ext uri="{FF2B5EF4-FFF2-40B4-BE49-F238E27FC236}">
+                <a16:creationId xmlns:a16="http://schemas.microsoft.com/office/drawing/2014/main" id="{3363D12A-CC2C-415C-4D69-62AC05C0AF8A}"/>
+              </a:ext>
+            </a:extLst>
+          </p:cNvPr>
+          <p:cNvSpPr/>
+          <p:nvPr/>
+        </p:nvSpPr>
+        <p:spPr>
+          <a:xfrm>
+            <a:off x="7586805" y="1702052"/>
+            <a:ext cx="1448555" cy="344032"/>
+          </a:xfrm>
+          <a:prstGeom prst="roundRect">
+            <a:avLst/>
+          </a:prstGeom>
+        </p:spPr>
+        <p:style>
+          <a:lnRef idx="2">
+            <a:schemeClr val="accent1">
+              <a:shade val="50000"/>
+            </a:schemeClr>
+          </a:lnRef>
+          <a:fillRef idx="1">
+            <a:schemeClr val="accent1"/>
+          </a:fillRef>
+          <a:effectRef idx="0">
+            <a:schemeClr val="accent1"/>
+          </a:effectRef>
+          <a:fontRef idx="minor">
+            <a:schemeClr val="lt1"/>
+          </a:fontRef>
+        </p:style>
+        <p:txBody>
+          <a:bodyPr rtlCol="0" anchor="ctr"/>
+          <a:lstStyle/>
+          <a:p>
+            <a:pPr algn="ctr"/>
+            <a:r>
+              <a:rPr lang="en-US" sz="1400" dirty="0"/>
+              <a:t>STUDENT: ALL</a:t>
+            </a:r>
+            <a:endParaRPr lang="en-IN" sz="1400" dirty="0"/>
+          </a:p>
+        </p:txBody>
+      </p:sp>
+      <p:sp>
+        <p:nvSpPr>
+          <p:cNvPr id="7" name="Rectangle: Rounded Corners 6">
+            <a:extLst>
+              <a:ext uri="{FF2B5EF4-FFF2-40B4-BE49-F238E27FC236}">
+                <a16:creationId xmlns:a16="http://schemas.microsoft.com/office/drawing/2014/main" id="{7364B820-25DF-9E97-E9E1-0BF8C4BB3079}"/>
+              </a:ext>
+            </a:extLst>
+          </p:cNvPr>
+          <p:cNvSpPr/>
+          <p:nvPr/>
+        </p:nvSpPr>
+        <p:spPr>
+          <a:xfrm>
+            <a:off x="9234536" y="1702052"/>
+            <a:ext cx="1448555" cy="344032"/>
+          </a:xfrm>
+          <a:prstGeom prst="roundRect">
+            <a:avLst/>
+          </a:prstGeom>
+        </p:spPr>
+        <p:style>
+          <a:lnRef idx="2">
+            <a:schemeClr val="accent1">
+              <a:shade val="50000"/>
+            </a:schemeClr>
+          </a:lnRef>
+          <a:fillRef idx="1">
+            <a:schemeClr val="accent1"/>
+          </a:fillRef>
+          <a:effectRef idx="0">
+            <a:schemeClr val="accent1"/>
+          </a:effectRef>
+          <a:fontRef idx="minor">
+            <a:schemeClr val="lt1"/>
+          </a:fontRef>
+        </p:style>
+        <p:txBody>
+          <a:bodyPr rtlCol="0" anchor="ctr"/>
+          <a:lstStyle/>
+          <a:p>
+            <a:pPr algn="ctr"/>
+            <a:r>
+              <a:rPr lang="en-US" sz="1400" dirty="0"/>
+              <a:t>DATE: TODAY</a:t>
+            </a:r>
+            <a:endParaRPr lang="en-IN" sz="1400" dirty="0"/>
+          </a:p>
+        </p:txBody>
+      </p:sp>
+      <p:sp>
+        <p:nvSpPr>
+          <p:cNvPr id="9" name="TextBox 8">
+            <a:extLst>
+              <a:ext uri="{FF2B5EF4-FFF2-40B4-BE49-F238E27FC236}">
+                <a16:creationId xmlns:a16="http://schemas.microsoft.com/office/drawing/2014/main" id="{20CC6E69-E5FB-03CC-C1D1-0FEFCCCC49B0}"/>
+              </a:ext>
+            </a:extLst>
+          </p:cNvPr>
+          <p:cNvSpPr txBox="1"/>
+          <p:nvPr/>
+        </p:nvSpPr>
+        <p:spPr>
+          <a:xfrm>
+            <a:off x="995881" y="1248976"/>
+            <a:ext cx="3295462" cy="369332"/>
+          </a:xfrm>
+          <a:prstGeom prst="rect">
+            <a:avLst/>
+          </a:prstGeom>
+          <a:noFill/>
+        </p:spPr>
+        <p:txBody>
+          <a:bodyPr wrap="square" rtlCol="0">
+            <a:spAutoFit/>
+          </a:bodyPr>
+          <a:lstStyle/>
+          <a:p>
+            <a:r>
+              <a:rPr lang="en-US" dirty="0"/>
+              <a:t>FACULTY ATTENDANCE FILTER</a:t>
+            </a:r>
+            <a:endParaRPr lang="en-IN" dirty="0"/>
+          </a:p>
+        </p:txBody>
+      </p:sp>
+    </p:spTree>
+    <p:extLst>
+      <p:ext uri="{BB962C8B-B14F-4D97-AF65-F5344CB8AC3E}">
+        <p14:creationId xmlns:p14="http://schemas.microsoft.com/office/powerpoint/2010/main" val="205045465"/>
       </p:ext>
     </p:extLst>
   </p:cSld>
